--- a/UE14-2024-Sujet-XX.pptx
+++ b/UE14-2024-Sujet-XX.pptx
@@ -208,7 +208,7 @@
           <a:p>
             <a:fld id="{A401968E-8C69-45DB-A237-BCB9D76C0F09}" type="datetimeFigureOut">
               <a:rPr lang="fr-FR" smtClean="0"/>
-              <a:t>16/01/2024</a:t>
+              <a:t>15/01/2025</a:t>
             </a:fld>
             <a:endParaRPr lang="fr-FR"/>
           </a:p>
@@ -5183,13 +5183,13 @@
           </a:p>
           <a:p>
             <a:r>
-              <a:rPr lang="fr-FR" sz="5400" kern="0" dirty="0">
+              <a:rPr lang="fr-FR" sz="5400" kern="0">
                 <a:solidFill>
                   <a:srgbClr val="00458A"/>
                 </a:solidFill>
                 <a:latin typeface="Arial Bold"/>
               </a:rPr>
-              <a:t>Janvier 2024</a:t>
+              <a:t>Janvier 2025</a:t>
             </a:r>
             <a:endParaRPr lang="en-GB" sz="3200" dirty="0">
               <a:latin typeface="+mn-ea"/>
